--- a/presentation/IOT-Unit3-Designanddevelopment.pptx
+++ b/presentation/IOT-Unit3-Designanddevelopment.pptx
@@ -239,7 +239,7 @@
           <a:p>
             <a:fld id="{C5BA3DF1-419F-4396-AE23-2FADD3683DAD}" type="datetimeFigureOut">
               <a:rPr lang="en-IN" smtClean="0"/>
-              <a:t>01-09-2025</a:t>
+              <a:t>02-09-2025</a:t>
             </a:fld>
             <a:endParaRPr lang="en-IN"/>
           </a:p>
@@ -420,7 +420,7 @@
           <a:p>
             <a:fld id="{83A6DFB3-D709-4817-8757-3B1955B6C311}" type="datetimeFigureOut">
               <a:rPr lang="en-IN" smtClean="0"/>
-              <a:t>01-09-2025</a:t>
+              <a:t>02-09-2025</a:t>
             </a:fld>
             <a:endParaRPr lang="en-IN"/>
           </a:p>
@@ -838,7 +838,7 @@
           <a:p>
             <a:fld id="{3A6BD9D9-0201-491D-850A-4E48B8CC6FB5}" type="datetime1">
               <a:rPr lang="en-IN" smtClean="0"/>
-              <a:t>01-09-2025</a:t>
+              <a:t>02-09-2025</a:t>
             </a:fld>
             <a:endParaRPr lang="en-IN"/>
           </a:p>
@@ -1041,7 +1041,7 @@
           <a:p>
             <a:fld id="{75E8E471-E374-414F-ACAE-271604EC180C}" type="datetime1">
               <a:rPr lang="en-IN" smtClean="0"/>
-              <a:t>01-09-2025</a:t>
+              <a:t>02-09-2025</a:t>
             </a:fld>
             <a:endParaRPr lang="en-IN"/>
           </a:p>
@@ -1254,7 +1254,7 @@
           <a:p>
             <a:fld id="{06209059-F8BB-4ED7-ABCA-C2BF3D4995E6}" type="datetime1">
               <a:rPr lang="en-IN" smtClean="0"/>
-              <a:t>01-09-2025</a:t>
+              <a:t>02-09-2025</a:t>
             </a:fld>
             <a:endParaRPr lang="en-IN"/>
           </a:p>
@@ -1457,7 +1457,7 @@
           <a:p>
             <a:fld id="{33585BB6-7F57-4C30-AECB-DA0D27197DA6}" type="datetime1">
               <a:rPr lang="en-IN" smtClean="0"/>
-              <a:t>01-09-2025</a:t>
+              <a:t>02-09-2025</a:t>
             </a:fld>
             <a:endParaRPr lang="en-IN"/>
           </a:p>
@@ -1736,7 +1736,7 @@
           <a:p>
             <a:fld id="{15BC85B2-39A4-4814-A92A-2973CDC9102C}" type="datetime1">
               <a:rPr lang="en-IN" smtClean="0"/>
-              <a:t>01-09-2025</a:t>
+              <a:t>02-09-2025</a:t>
             </a:fld>
             <a:endParaRPr lang="en-IN"/>
           </a:p>
@@ -2007,7 +2007,7 @@
           <a:p>
             <a:fld id="{E78293A2-8117-48A4-9605-23EE94DF99C3}" type="datetime1">
               <a:rPr lang="en-IN" smtClean="0"/>
-              <a:t>01-09-2025</a:t>
+              <a:t>02-09-2025</a:t>
             </a:fld>
             <a:endParaRPr lang="en-IN"/>
           </a:p>
@@ -2425,7 +2425,7 @@
           <a:p>
             <a:fld id="{5F75C8FC-84AC-4C10-ACC0-BD7AF63F7665}" type="datetime1">
               <a:rPr lang="en-IN" smtClean="0"/>
-              <a:t>01-09-2025</a:t>
+              <a:t>02-09-2025</a:t>
             </a:fld>
             <a:endParaRPr lang="en-IN"/>
           </a:p>
@@ -2570,7 +2570,7 @@
           <a:p>
             <a:fld id="{CFF0B640-F7B0-4E9F-B479-2364AFCFD561}" type="datetime1">
               <a:rPr lang="en-IN" smtClean="0"/>
-              <a:t>01-09-2025</a:t>
+              <a:t>02-09-2025</a:t>
             </a:fld>
             <a:endParaRPr lang="en-IN"/>
           </a:p>
@@ -2686,7 +2686,7 @@
           <a:p>
             <a:fld id="{28C955B1-F658-4E21-B29B-5C46404C65AF}" type="datetime1">
               <a:rPr lang="en-IN" smtClean="0"/>
-              <a:t>01-09-2025</a:t>
+              <a:t>02-09-2025</a:t>
             </a:fld>
             <a:endParaRPr lang="en-IN"/>
           </a:p>
@@ -3002,7 +3002,7 @@
           <a:p>
             <a:fld id="{1466127A-0CB8-41EB-AC70-2B05AA20CEB4}" type="datetime1">
               <a:rPr lang="en-IN" smtClean="0"/>
-              <a:t>01-09-2025</a:t>
+              <a:t>02-09-2025</a:t>
             </a:fld>
             <a:endParaRPr lang="en-IN"/>
           </a:p>
@@ -3294,7 +3294,7 @@
           <a:p>
             <a:fld id="{880E169A-C6D0-47B8-83D4-F4CEB7EC43EC}" type="datetime1">
               <a:rPr lang="en-IN" smtClean="0"/>
-              <a:t>01-09-2025</a:t>
+              <a:t>02-09-2025</a:t>
             </a:fld>
             <a:endParaRPr lang="en-IN"/>
           </a:p>
@@ -3540,7 +3540,7 @@
           <a:p>
             <a:fld id="{338274BC-1E24-44A8-9040-DB21F7AFD224}" type="datetime1">
               <a:rPr lang="en-IN" smtClean="0"/>
-              <a:t>01-09-2025</a:t>
+              <a:t>02-09-2025</a:t>
             </a:fld>
             <a:endParaRPr lang="en-IN"/>
           </a:p>

--- a/presentation/IOT-Unit3-Designanddevelopment.pptx
+++ b/presentation/IOT-Unit3-Designanddevelopment.pptx
@@ -239,7 +239,7 @@
           <a:p>
             <a:fld id="{C5BA3DF1-419F-4396-AE23-2FADD3683DAD}" type="datetimeFigureOut">
               <a:rPr lang="en-IN" smtClean="0"/>
-              <a:t>02-09-2025</a:t>
+              <a:t>04-09-2025</a:t>
             </a:fld>
             <a:endParaRPr lang="en-IN"/>
           </a:p>
@@ -420,7 +420,7 @@
           <a:p>
             <a:fld id="{83A6DFB3-D709-4817-8757-3B1955B6C311}" type="datetimeFigureOut">
               <a:rPr lang="en-IN" smtClean="0"/>
-              <a:t>02-09-2025</a:t>
+              <a:t>04-09-2025</a:t>
             </a:fld>
             <a:endParaRPr lang="en-IN"/>
           </a:p>
@@ -838,7 +838,7 @@
           <a:p>
             <a:fld id="{3A6BD9D9-0201-491D-850A-4E48B8CC6FB5}" type="datetime1">
               <a:rPr lang="en-IN" smtClean="0"/>
-              <a:t>02-09-2025</a:t>
+              <a:t>04-09-2025</a:t>
             </a:fld>
             <a:endParaRPr lang="en-IN"/>
           </a:p>
@@ -1041,7 +1041,7 @@
           <a:p>
             <a:fld id="{75E8E471-E374-414F-ACAE-271604EC180C}" type="datetime1">
               <a:rPr lang="en-IN" smtClean="0"/>
-              <a:t>02-09-2025</a:t>
+              <a:t>04-09-2025</a:t>
             </a:fld>
             <a:endParaRPr lang="en-IN"/>
           </a:p>
@@ -1254,7 +1254,7 @@
           <a:p>
             <a:fld id="{06209059-F8BB-4ED7-ABCA-C2BF3D4995E6}" type="datetime1">
               <a:rPr lang="en-IN" smtClean="0"/>
-              <a:t>02-09-2025</a:t>
+              <a:t>04-09-2025</a:t>
             </a:fld>
             <a:endParaRPr lang="en-IN"/>
           </a:p>
@@ -1457,7 +1457,7 @@
           <a:p>
             <a:fld id="{33585BB6-7F57-4C30-AECB-DA0D27197DA6}" type="datetime1">
               <a:rPr lang="en-IN" smtClean="0"/>
-              <a:t>02-09-2025</a:t>
+              <a:t>04-09-2025</a:t>
             </a:fld>
             <a:endParaRPr lang="en-IN"/>
           </a:p>
@@ -1736,7 +1736,7 @@
           <a:p>
             <a:fld id="{15BC85B2-39A4-4814-A92A-2973CDC9102C}" type="datetime1">
               <a:rPr lang="en-IN" smtClean="0"/>
-              <a:t>02-09-2025</a:t>
+              <a:t>04-09-2025</a:t>
             </a:fld>
             <a:endParaRPr lang="en-IN"/>
           </a:p>
@@ -2007,7 +2007,7 @@
           <a:p>
             <a:fld id="{E78293A2-8117-48A4-9605-23EE94DF99C3}" type="datetime1">
               <a:rPr lang="en-IN" smtClean="0"/>
-              <a:t>02-09-2025</a:t>
+              <a:t>04-09-2025</a:t>
             </a:fld>
             <a:endParaRPr lang="en-IN"/>
           </a:p>
@@ -2425,7 +2425,7 @@
           <a:p>
             <a:fld id="{5F75C8FC-84AC-4C10-ACC0-BD7AF63F7665}" type="datetime1">
               <a:rPr lang="en-IN" smtClean="0"/>
-              <a:t>02-09-2025</a:t>
+              <a:t>04-09-2025</a:t>
             </a:fld>
             <a:endParaRPr lang="en-IN"/>
           </a:p>
@@ -2570,7 +2570,7 @@
           <a:p>
             <a:fld id="{CFF0B640-F7B0-4E9F-B479-2364AFCFD561}" type="datetime1">
               <a:rPr lang="en-IN" smtClean="0"/>
-              <a:t>02-09-2025</a:t>
+              <a:t>04-09-2025</a:t>
             </a:fld>
             <a:endParaRPr lang="en-IN"/>
           </a:p>
@@ -2686,7 +2686,7 @@
           <a:p>
             <a:fld id="{28C955B1-F658-4E21-B29B-5C46404C65AF}" type="datetime1">
               <a:rPr lang="en-IN" smtClean="0"/>
-              <a:t>02-09-2025</a:t>
+              <a:t>04-09-2025</a:t>
             </a:fld>
             <a:endParaRPr lang="en-IN"/>
           </a:p>
@@ -3002,7 +3002,7 @@
           <a:p>
             <a:fld id="{1466127A-0CB8-41EB-AC70-2B05AA20CEB4}" type="datetime1">
               <a:rPr lang="en-IN" smtClean="0"/>
-              <a:t>02-09-2025</a:t>
+              <a:t>04-09-2025</a:t>
             </a:fld>
             <a:endParaRPr lang="en-IN"/>
           </a:p>
@@ -3294,7 +3294,7 @@
           <a:p>
             <a:fld id="{880E169A-C6D0-47B8-83D4-F4CEB7EC43EC}" type="datetime1">
               <a:rPr lang="en-IN" smtClean="0"/>
-              <a:t>02-09-2025</a:t>
+              <a:t>04-09-2025</a:t>
             </a:fld>
             <a:endParaRPr lang="en-IN"/>
           </a:p>
@@ -3540,7 +3540,7 @@
           <a:p>
             <a:fld id="{338274BC-1E24-44A8-9040-DB21F7AFD224}" type="datetime1">
               <a:rPr lang="en-IN" smtClean="0"/>
-              <a:t>02-09-2025</a:t>
+              <a:t>04-09-2025</a:t>
             </a:fld>
             <a:endParaRPr lang="en-IN"/>
           </a:p>
